--- a/기말과제.pptx
+++ b/기말과제.pptx
@@ -261,7 +261,7 @@
           <a:p>
             <a:fld id="{AA261858-E866-471E-9F22-67C23F082C2F}" type="datetimeFigureOut">
               <a:rPr lang="ko-KR" altLang="en-US" smtClean="0"/>
-              <a:t>2025-11-03</a:t>
+              <a:t>2025-11-21</a:t>
             </a:fld>
             <a:endParaRPr lang="ko-KR" altLang="en-US"/>
           </a:p>
@@ -459,7 +459,7 @@
           <a:p>
             <a:fld id="{AA261858-E866-471E-9F22-67C23F082C2F}" type="datetimeFigureOut">
               <a:rPr lang="ko-KR" altLang="en-US" smtClean="0"/>
-              <a:t>2025-11-03</a:t>
+              <a:t>2025-11-21</a:t>
             </a:fld>
             <a:endParaRPr lang="ko-KR" altLang="en-US"/>
           </a:p>
@@ -667,7 +667,7 @@
           <a:p>
             <a:fld id="{AA261858-E866-471E-9F22-67C23F082C2F}" type="datetimeFigureOut">
               <a:rPr lang="ko-KR" altLang="en-US" smtClean="0"/>
-              <a:t>2025-11-03</a:t>
+              <a:t>2025-11-21</a:t>
             </a:fld>
             <a:endParaRPr lang="ko-KR" altLang="en-US"/>
           </a:p>
@@ -865,7 +865,7 @@
           <a:p>
             <a:fld id="{AA261858-E866-471E-9F22-67C23F082C2F}" type="datetimeFigureOut">
               <a:rPr lang="ko-KR" altLang="en-US" smtClean="0"/>
-              <a:t>2025-11-03</a:t>
+              <a:t>2025-11-21</a:t>
             </a:fld>
             <a:endParaRPr lang="ko-KR" altLang="en-US"/>
           </a:p>
@@ -1140,7 +1140,7 @@
           <a:p>
             <a:fld id="{AA261858-E866-471E-9F22-67C23F082C2F}" type="datetimeFigureOut">
               <a:rPr lang="ko-KR" altLang="en-US" smtClean="0"/>
-              <a:t>2025-11-03</a:t>
+              <a:t>2025-11-21</a:t>
             </a:fld>
             <a:endParaRPr lang="ko-KR" altLang="en-US"/>
           </a:p>
@@ -1405,7 +1405,7 @@
           <a:p>
             <a:fld id="{AA261858-E866-471E-9F22-67C23F082C2F}" type="datetimeFigureOut">
               <a:rPr lang="ko-KR" altLang="en-US" smtClean="0"/>
-              <a:t>2025-11-03</a:t>
+              <a:t>2025-11-21</a:t>
             </a:fld>
             <a:endParaRPr lang="ko-KR" altLang="en-US"/>
           </a:p>
@@ -1817,7 +1817,7 @@
           <a:p>
             <a:fld id="{AA261858-E866-471E-9F22-67C23F082C2F}" type="datetimeFigureOut">
               <a:rPr lang="ko-KR" altLang="en-US" smtClean="0"/>
-              <a:t>2025-11-03</a:t>
+              <a:t>2025-11-21</a:t>
             </a:fld>
             <a:endParaRPr lang="ko-KR" altLang="en-US"/>
           </a:p>
@@ -1958,7 +1958,7 @@
           <a:p>
             <a:fld id="{AA261858-E866-471E-9F22-67C23F082C2F}" type="datetimeFigureOut">
               <a:rPr lang="ko-KR" altLang="en-US" smtClean="0"/>
-              <a:t>2025-11-03</a:t>
+              <a:t>2025-11-21</a:t>
             </a:fld>
             <a:endParaRPr lang="ko-KR" altLang="en-US"/>
           </a:p>
@@ -2071,7 +2071,7 @@
           <a:p>
             <a:fld id="{AA261858-E866-471E-9F22-67C23F082C2F}" type="datetimeFigureOut">
               <a:rPr lang="ko-KR" altLang="en-US" smtClean="0"/>
-              <a:t>2025-11-03</a:t>
+              <a:t>2025-11-21</a:t>
             </a:fld>
             <a:endParaRPr lang="ko-KR" altLang="en-US"/>
           </a:p>
@@ -2382,7 +2382,7 @@
           <a:p>
             <a:fld id="{AA261858-E866-471E-9F22-67C23F082C2F}" type="datetimeFigureOut">
               <a:rPr lang="ko-KR" altLang="en-US" smtClean="0"/>
-              <a:t>2025-11-03</a:t>
+              <a:t>2025-11-21</a:t>
             </a:fld>
             <a:endParaRPr lang="ko-KR" altLang="en-US"/>
           </a:p>
@@ -2670,7 +2670,7 @@
           <a:p>
             <a:fld id="{AA261858-E866-471E-9F22-67C23F082C2F}" type="datetimeFigureOut">
               <a:rPr lang="ko-KR" altLang="en-US" smtClean="0"/>
-              <a:t>2025-11-03</a:t>
+              <a:t>2025-11-21</a:t>
             </a:fld>
             <a:endParaRPr lang="ko-KR" altLang="en-US"/>
           </a:p>
@@ -2911,7 +2911,7 @@
           <a:p>
             <a:fld id="{AA261858-E866-471E-9F22-67C23F082C2F}" type="datetimeFigureOut">
               <a:rPr lang="ko-KR" altLang="en-US" smtClean="0"/>
-              <a:t>2025-11-03</a:t>
+              <a:t>2025-11-21</a:t>
             </a:fld>
             <a:endParaRPr lang="ko-KR" altLang="en-US"/>
           </a:p>
@@ -3738,26 +3738,6 @@
               <a:t>제조업체는 제조업체명으로 식별</a:t>
             </a:r>
             <a:endParaRPr lang="en-US" altLang="ko-KR" sz="1600" dirty="0"/>
-          </a:p>
-          <a:p>
-            <a:pPr marL="0" indent="0">
-              <a:buNone/>
-            </a:pPr>
-            <a:r>
-              <a:rPr lang="en-US" altLang="ko-KR" sz="1600" dirty="0"/>
-              <a:t>11.</a:t>
-            </a:r>
-            <a:r>
-              <a:rPr lang="ko-KR" altLang="en-US" sz="1600" dirty="0"/>
-              <a:t>의사는 들어온 약의 종류가 맞는지  리스트를 작성한다</a:t>
-            </a:r>
-            <a:endParaRPr lang="en-US" altLang="ko-KR" sz="1600" dirty="0"/>
-          </a:p>
-          <a:p>
-            <a:pPr marL="0" indent="0">
-              <a:buNone/>
-            </a:pPr>
-            <a:endParaRPr lang="en-US" altLang="ko-KR" dirty="0"/>
           </a:p>
         </p:txBody>
       </p:sp>
@@ -4173,23 +4153,6 @@
 </file>
 
 <file path=customXml/item1.xml><?xml version="1.0" encoding="utf-8"?>
-<p:properties xmlns:p="http://schemas.microsoft.com/office/2006/metadata/properties" xmlns:xsi="http://www.w3.org/2001/XMLSchema-instance" xmlns:pc="http://schemas.microsoft.com/office/infopath/2007/PartnerControls">
-  <documentManagement>
-    <_activity xmlns="0132d4f7-3ff6-42a6-9c84-a78a808c16d0" xsi:nil="true"/>
-  </documentManagement>
-</p:properties>
-</file>
-
-<file path=customXml/item2.xml><?xml version="1.0" encoding="utf-8"?>
-<?mso-contentType ?>
-<FormTemplates xmlns="http://schemas.microsoft.com/sharepoint/v3/contenttype/forms">
-  <Display>DocumentLibraryForm</Display>
-  <Edit>DocumentLibraryForm</Edit>
-  <New>DocumentLibraryForm</New>
-</FormTemplates>
-</file>
-
-<file path=customXml/item3.xml><?xml version="1.0" encoding="utf-8"?>
 <ct:contentTypeSchema xmlns:ct="http://schemas.microsoft.com/office/2006/metadata/contentType" xmlns:ma="http://schemas.microsoft.com/office/2006/metadata/properties/metaAttributes" ct:_="" ma:_="" ma:contentTypeName="문서" ma:contentTypeID="0x01010005EFDECECAE815428E4874546E1D19C3" ma:contentTypeVersion="5" ma:contentTypeDescription="새 문서를 만듭니다." ma:contentTypeScope="" ma:versionID="5e7e08a35b6544490ae3cccaeab87fe8">
   <xsd:schema xmlns:xsd="http://www.w3.org/2001/XMLSchema" xmlns:xs="http://www.w3.org/2001/XMLSchema" xmlns:p="http://schemas.microsoft.com/office/2006/metadata/properties" xmlns:ns3="0132d4f7-3ff6-42a6-9c84-a78a808c16d0" targetNamespace="http://schemas.microsoft.com/office/2006/metadata/properties" ma:root="true" ma:fieldsID="9284ddb94c6bf4717f1139baaa3e383f" ns3:_="">
     <xsd:import namespace="0132d4f7-3ff6-42a6-9c84-a78a808c16d0"/>
@@ -4339,31 +4302,24 @@
 </ct:contentTypeSchema>
 </file>
 
-<file path=customXml/itemProps1.xml><?xml version="1.0" encoding="utf-8"?>
-<ds:datastoreItem xmlns:ds="http://schemas.openxmlformats.org/officeDocument/2006/customXml" ds:itemID="{71FA0878-ADCD-49CC-A9EF-3D3E22AE3687}">
-  <ds:schemaRefs>
-    <ds:schemaRef ds:uri="http://purl.org/dc/dcmitype/"/>
-    <ds:schemaRef ds:uri="http://www.w3.org/XML/1998/namespace"/>
-    <ds:schemaRef ds:uri="http://schemas.openxmlformats.org/package/2006/metadata/core-properties"/>
-    <ds:schemaRef ds:uri="http://purl.org/dc/terms/"/>
-    <ds:schemaRef ds:uri="http://schemas.microsoft.com/office/2006/documentManagement/types"/>
-    <ds:schemaRef ds:uri="http://purl.org/dc/elements/1.1/"/>
-    <ds:schemaRef ds:uri="http://schemas.microsoft.com/office/infopath/2007/PartnerControls"/>
-    <ds:schemaRef ds:uri="0132d4f7-3ff6-42a6-9c84-a78a808c16d0"/>
-    <ds:schemaRef ds:uri="http://schemas.microsoft.com/office/2006/metadata/properties"/>
-  </ds:schemaRefs>
-</ds:datastoreItem>
+<file path=customXml/item2.xml><?xml version="1.0" encoding="utf-8"?>
+<?mso-contentType ?>
+<FormTemplates xmlns="http://schemas.microsoft.com/sharepoint/v3/contenttype/forms">
+  <Display>DocumentLibraryForm</Display>
+  <Edit>DocumentLibraryForm</Edit>
+  <New>DocumentLibraryForm</New>
+</FormTemplates>
 </file>
 
-<file path=customXml/itemProps2.xml><?xml version="1.0" encoding="utf-8"?>
-<ds:datastoreItem xmlns:ds="http://schemas.openxmlformats.org/officeDocument/2006/customXml" ds:itemID="{08693611-BC9F-488F-BB44-A041E188DD1E}">
-  <ds:schemaRefs>
-    <ds:schemaRef ds:uri="http://schemas.microsoft.com/sharepoint/v3/contenttype/forms"/>
-  </ds:schemaRefs>
-</ds:datastoreItem>
+<file path=customXml/item3.xml><?xml version="1.0" encoding="utf-8"?>
+<p:properties xmlns:p="http://schemas.microsoft.com/office/2006/metadata/properties" xmlns:xsi="http://www.w3.org/2001/XMLSchema-instance" xmlns:pc="http://schemas.microsoft.com/office/infopath/2007/PartnerControls">
+  <documentManagement>
+    <_activity xmlns="0132d4f7-3ff6-42a6-9c84-a78a808c16d0" xsi:nil="true"/>
+  </documentManagement>
+</p:properties>
 </file>
 
-<file path=customXml/itemProps3.xml><?xml version="1.0" encoding="utf-8"?>
+<file path=customXml/itemProps1.xml><?xml version="1.0" encoding="utf-8"?>
 <ds:datastoreItem xmlns:ds="http://schemas.openxmlformats.org/officeDocument/2006/customXml" ds:itemID="{0286F32F-826C-48F5-92CD-93190A923EAF}">
   <ds:schemaRefs>
     <ds:schemaRef ds:uri="http://schemas.microsoft.com/office/2006/metadata/contentType"/>
@@ -4379,4 +4335,28 @@
     <ds:schemaRef ds:uri="http://schemas.microsoft.com/internal/obd"/>
   </ds:schemaRefs>
 </ds:datastoreItem>
+</file>
+
+<file path=customXml/itemProps2.xml><?xml version="1.0" encoding="utf-8"?>
+<ds:datastoreItem xmlns:ds="http://schemas.openxmlformats.org/officeDocument/2006/customXml" ds:itemID="{08693611-BC9F-488F-BB44-A041E188DD1E}">
+  <ds:schemaRefs>
+    <ds:schemaRef ds:uri="http://schemas.microsoft.com/sharepoint/v3/contenttype/forms"/>
+  </ds:schemaRefs>
+</ds:datastoreItem>
+</file>
+
+<file path=customXml/itemProps3.xml><?xml version="1.0" encoding="utf-8"?>
+<ds:datastoreItem xmlns:ds="http://schemas.openxmlformats.org/officeDocument/2006/customXml" ds:itemID="{71FA0878-ADCD-49CC-A9EF-3D3E22AE3687}">
+  <ds:schemaRefs>
+    <ds:schemaRef ds:uri="http://purl.org/dc/dcmitype/"/>
+    <ds:schemaRef ds:uri="http://www.w3.org/XML/1998/namespace"/>
+    <ds:schemaRef ds:uri="http://schemas.openxmlformats.org/package/2006/metadata/core-properties"/>
+    <ds:schemaRef ds:uri="http://purl.org/dc/terms/"/>
+    <ds:schemaRef ds:uri="http://schemas.microsoft.com/office/2006/documentManagement/types"/>
+    <ds:schemaRef ds:uri="http://purl.org/dc/elements/1.1/"/>
+    <ds:schemaRef ds:uri="http://schemas.microsoft.com/office/infopath/2007/PartnerControls"/>
+    <ds:schemaRef ds:uri="0132d4f7-3ff6-42a6-9c84-a78a808c16d0"/>
+    <ds:schemaRef ds:uri="http://schemas.microsoft.com/office/2006/metadata/properties"/>
+  </ds:schemaRefs>
+</ds:datastoreItem>
 </file>